--- a/lectures/lec09/lec09.pptx
+++ b/lectures/lec09/lec09.pptx
@@ -314,7 +314,7 @@
           <a:p>
             <a:fld id="{ED6EF213-A9FC-4E1C-A656-7C977800AEA6}" type="datetimeFigureOut">
               <a:rPr lang="zh-CN" altLang="en-US" smtClean="0"/>
-              <a:t>2017/10/23</a:t>
+              <a:t>2017/10/24</a:t>
             </a:fld>
             <a:endParaRPr lang="zh-CN" altLang="en-US"/>
           </a:p>
@@ -869,7 +869,7 @@
           <a:p>
             <a:fld id="{5ECE4D60-05A1-A640-A7CD-C0D17F809990}" type="datetimeFigureOut">
               <a:rPr lang="en-US" smtClean="0"/>
-              <a:t>10/23/17</a:t>
+              <a:t>10/24/17</a:t>
             </a:fld>
             <a:endParaRPr lang="en-US"/>
           </a:p>
@@ -1039,7 +1039,7 @@
           <a:p>
             <a:fld id="{5ECE4D60-05A1-A640-A7CD-C0D17F809990}" type="datetimeFigureOut">
               <a:rPr lang="en-US" smtClean="0"/>
-              <a:t>10/23/17</a:t>
+              <a:t>10/24/17</a:t>
             </a:fld>
             <a:endParaRPr lang="en-US"/>
           </a:p>
@@ -1219,7 +1219,7 @@
           <a:p>
             <a:fld id="{5ECE4D60-05A1-A640-A7CD-C0D17F809990}" type="datetimeFigureOut">
               <a:rPr lang="en-US" smtClean="0"/>
-              <a:t>10/23/17</a:t>
+              <a:t>10/24/17</a:t>
             </a:fld>
             <a:endParaRPr lang="en-US"/>
           </a:p>
@@ -1389,7 +1389,7 @@
           <a:p>
             <a:fld id="{5ECE4D60-05A1-A640-A7CD-C0D17F809990}" type="datetimeFigureOut">
               <a:rPr lang="en-US" smtClean="0"/>
-              <a:t>10/23/17</a:t>
+              <a:t>10/24/17</a:t>
             </a:fld>
             <a:endParaRPr lang="en-US"/>
           </a:p>
@@ -1635,7 +1635,7 @@
           <a:p>
             <a:fld id="{5ECE4D60-05A1-A640-A7CD-C0D17F809990}" type="datetimeFigureOut">
               <a:rPr lang="en-US" smtClean="0"/>
-              <a:t>10/23/17</a:t>
+              <a:t>10/24/17</a:t>
             </a:fld>
             <a:endParaRPr lang="en-US"/>
           </a:p>
@@ -1923,7 +1923,7 @@
           <a:p>
             <a:fld id="{5ECE4D60-05A1-A640-A7CD-C0D17F809990}" type="datetimeFigureOut">
               <a:rPr lang="en-US" smtClean="0"/>
-              <a:t>10/23/17</a:t>
+              <a:t>10/24/17</a:t>
             </a:fld>
             <a:endParaRPr lang="en-US"/>
           </a:p>
@@ -2350,7 +2350,7 @@
           <a:p>
             <a:fld id="{5ECE4D60-05A1-A640-A7CD-C0D17F809990}" type="datetimeFigureOut">
               <a:rPr lang="en-US" smtClean="0"/>
-              <a:t>10/23/17</a:t>
+              <a:t>10/24/17</a:t>
             </a:fld>
             <a:endParaRPr lang="en-US"/>
           </a:p>
@@ -2468,7 +2468,7 @@
           <a:p>
             <a:fld id="{5ECE4D60-05A1-A640-A7CD-C0D17F809990}" type="datetimeFigureOut">
               <a:rPr lang="en-US" smtClean="0"/>
-              <a:t>10/23/17</a:t>
+              <a:t>10/24/17</a:t>
             </a:fld>
             <a:endParaRPr lang="en-US"/>
           </a:p>
@@ -2563,7 +2563,7 @@
           <a:p>
             <a:fld id="{5ECE4D60-05A1-A640-A7CD-C0D17F809990}" type="datetimeFigureOut">
               <a:rPr lang="en-US" smtClean="0"/>
-              <a:t>10/23/17</a:t>
+              <a:t>10/24/17</a:t>
             </a:fld>
             <a:endParaRPr lang="en-US"/>
           </a:p>
@@ -2840,7 +2840,7 @@
           <a:p>
             <a:fld id="{5ECE4D60-05A1-A640-A7CD-C0D17F809990}" type="datetimeFigureOut">
               <a:rPr lang="en-US" smtClean="0"/>
-              <a:t>10/23/17</a:t>
+              <a:t>10/24/17</a:t>
             </a:fld>
             <a:endParaRPr lang="en-US"/>
           </a:p>
@@ -3093,7 +3093,7 @@
           <a:p>
             <a:fld id="{5ECE4D60-05A1-A640-A7CD-C0D17F809990}" type="datetimeFigureOut">
               <a:rPr lang="en-US" smtClean="0"/>
-              <a:t>10/23/17</a:t>
+              <a:t>10/24/17</a:t>
             </a:fld>
             <a:endParaRPr lang="en-US"/>
           </a:p>
@@ -3306,7 +3306,7 @@
           <a:p>
             <a:fld id="{5ECE4D60-05A1-A640-A7CD-C0D17F809990}" type="datetimeFigureOut">
               <a:rPr lang="en-US" smtClean="0"/>
-              <a:t>10/23/17</a:t>
+              <a:t>10/24/17</a:t>
             </a:fld>
             <a:endParaRPr lang="en-US"/>
           </a:p>
@@ -4163,35 +4163,11 @@
             </a:r>
             <a:r>
               <a:rPr lang="en-US" dirty="0" smtClean="0"/>
-              <a:t>: </a:t>
-            </a:r>
-            <a:r>
-              <a:rPr lang="en-US" dirty="0" smtClean="0"/>
-              <a:t>value of x is </a:t>
-            </a:r>
-            <a:r>
-              <a:rPr lang="en-US" dirty="0" smtClean="0"/>
-              <a:t>copied </a:t>
-            </a:r>
-            <a:r>
-              <a:rPr lang="en-US" dirty="0" smtClean="0"/>
-              <a:t>in </a:t>
-            </a:r>
-            <a:r>
-              <a:rPr lang="en-US" dirty="0" smtClean="0"/>
-              <a:t>memory </a:t>
-            </a:r>
-            <a:r>
-              <a:rPr lang="en-US" dirty="0" smtClean="0"/>
-              <a:t>and assigned to y </a:t>
+              <a:t>: value of x is copied in memory and assigned to y </a:t>
             </a:r>
             <a:r>
               <a:rPr lang="en-US" i="1" dirty="0" smtClean="0"/>
-              <a:t>(copy </a:t>
-            </a:r>
-            <a:r>
-              <a:rPr lang="en-US" i="1" dirty="0" smtClean="0"/>
-              <a:t>by value)</a:t>
+              <a:t>(copy by value)</a:t>
             </a:r>
           </a:p>
           <a:p>
@@ -4566,11 +4542,7 @@
             </a:r>
             <a:r>
               <a:rPr lang="en-US" i="1" dirty="0" smtClean="0"/>
-              <a:t>(copy </a:t>
-            </a:r>
-            <a:r>
-              <a:rPr lang="en-US" i="1" dirty="0" smtClean="0"/>
-              <a:t>by reference, or shallow copy)</a:t>
+              <a:t>(copy by reference, or shallow copy)</a:t>
             </a:r>
           </a:p>
           <a:p>
@@ -4839,15 +4811,7 @@
             </a:r>
             <a:r>
               <a:rPr lang="en-US" i="1" dirty="0" smtClean="0"/>
-              <a:t>(copy </a:t>
-            </a:r>
-            <a:r>
-              <a:rPr lang="en-US" i="1" dirty="0" smtClean="0"/>
-              <a:t>by reference, or shallow copy</a:t>
-            </a:r>
-            <a:r>
-              <a:rPr lang="en-US" i="1" dirty="0" smtClean="0"/>
-              <a:t>)</a:t>
+              <a:t>(copy by reference, or shallow copy)</a:t>
             </a:r>
           </a:p>
           <a:p>
@@ -4864,21 +4828,6 @@
               <a:rPr lang="en-US" dirty="0" smtClean="0"/>
               <a:t>Benefit: avoid large chunks of memory copy</a:t>
             </a:r>
-          </a:p>
-          <a:p>
-            <a:r>
-              <a:rPr lang="en-US" dirty="0"/>
-              <a:t>D</a:t>
-            </a:r>
-            <a:r>
-              <a:rPr lang="en-US" dirty="0" smtClean="0"/>
-              <a:t>rawback </a:t>
-            </a:r>
-            <a:r>
-              <a:rPr lang="en-US" dirty="0" smtClean="0"/>
-              <a:t>(?): aliasing</a:t>
-            </a:r>
-            <a:endParaRPr lang="en-US" dirty="0" smtClean="0"/>
           </a:p>
           <a:p>
             <a:endParaRPr lang="en-US" dirty="0"/>
@@ -5388,21 +5337,29 @@
           <a:p>
             <a:pPr lvl="1"/>
             <a:r>
-              <a:rPr lang="en-US" dirty="0" err="1" smtClean="0"/>
+              <a:rPr lang="en-US" dirty="0" smtClean="0"/>
+              <a:t>Immutable: </a:t>
+            </a:r>
+            <a:r>
+              <a:rPr lang="en-US" i="1" dirty="0" err="1" smtClean="0"/>
               <a:t>int</a:t>
             </a:r>
             <a:r>
+              <a:rPr lang="en-US" i="1" dirty="0" smtClean="0"/>
+              <a:t>, float, string, tuple</a:t>
+            </a:r>
+          </a:p>
+          <a:p>
+            <a:pPr lvl="1"/>
+            <a:r>
               <a:rPr lang="en-US" dirty="0" smtClean="0"/>
-              <a:t>, float, string, tuple</a:t>
-            </a:r>
-          </a:p>
-          <a:p>
-            <a:pPr lvl="1"/>
-            <a:r>
-              <a:rPr lang="en-US" dirty="0" smtClean="0"/>
+              <a:t>Mutable: </a:t>
+            </a:r>
+            <a:r>
+              <a:rPr lang="en-US" i="1" dirty="0" smtClean="0"/>
               <a:t>list, dictionary</a:t>
             </a:r>
-            <a:endParaRPr lang="en-US" dirty="0"/>
+            <a:endParaRPr lang="en-US" i="1" dirty="0"/>
           </a:p>
         </p:txBody>
       </p:sp>
@@ -5749,7 +5706,7 @@
           <a:p>
             <a:r>
               <a:rPr lang="en-US" dirty="0" smtClean="0"/>
-              <a:t>sometimes useful, sometimes cause trouble</a:t>
+              <a:t>sometimes useful, sometimes causes trouble</a:t>
             </a:r>
             <a:endParaRPr lang="en-US" dirty="0"/>
           </a:p>
@@ -6756,7 +6713,7 @@
         <p:spPr>
           <a:xfrm>
             <a:off x="753884" y="2216314"/>
-            <a:ext cx="5808000" cy="2585323"/>
+            <a:ext cx="3877985" cy="2585323"/>
           </a:xfrm>
           <a:prstGeom prst="rect">
             <a:avLst/>
@@ -6774,7 +6731,7 @@
                 <a:latin typeface="Courier New" panose="02070309020205020404" pitchFamily="49" charset="0"/>
                 <a:cs typeface="Courier New" panose="02070309020205020404" pitchFamily="49" charset="0"/>
               </a:rPr>
-              <a:t>x = [’a’, ’b’, ’c’, ‘d’]	# a dictionary</a:t>
+              <a:t>x = [’a’, ’b’, ’c’, ‘d’]	</a:t>
             </a:r>
           </a:p>
           <a:p>
@@ -7443,14 +7400,7 @@
                 <a:latin typeface="Courier New" panose="02070309020205020404" pitchFamily="49" charset="0"/>
                 <a:cs typeface="Courier New" panose="02070309020205020404" pitchFamily="49" charset="0"/>
               </a:rPr>
-              <a:t>What </a:t>
-            </a:r>
-            <a:r>
-              <a:rPr lang="en-US" altLang="zh-CN" dirty="0" smtClean="0">
-                <a:latin typeface="Courier New" panose="02070309020205020404" pitchFamily="49" charset="0"/>
-                <a:cs typeface="Courier New" panose="02070309020205020404" pitchFamily="49" charset="0"/>
-              </a:rPr>
-              <a:t>is the value of x? </a:t>
+              <a:t>What is the value of x? </a:t>
             </a:r>
           </a:p>
           <a:p>
@@ -7505,14 +7455,7 @@
                 <a:latin typeface="Courier New" panose="02070309020205020404" pitchFamily="49" charset="0"/>
                 <a:cs typeface="Courier New" panose="02070309020205020404" pitchFamily="49" charset="0"/>
               </a:rPr>
-              <a:t> </a:t>
-            </a:r>
-            <a:r>
-              <a:rPr lang="en-US" altLang="zh-CN" dirty="0" smtClean="0">
-                <a:latin typeface="Courier New" panose="02070309020205020404" pitchFamily="49" charset="0"/>
-                <a:cs typeface="Courier New" panose="02070309020205020404" pitchFamily="49" charset="0"/>
-              </a:rPr>
-              <a:t>C </a:t>
+              <a:t> C </a:t>
             </a:r>
             <a:r>
               <a:rPr lang="en-US" altLang="zh-CN" dirty="0">
@@ -9262,11 +9205,7 @@
           <a:p>
             <a:r>
               <a:rPr lang="en-US" dirty="0" smtClean="0"/>
-              <a:t>Formatting multiple values in string </a:t>
-            </a:r>
-            <a:r>
-              <a:rPr lang="en-US" dirty="0" smtClean="0"/>
-              <a:t>format</a:t>
+              <a:t>Formatting multiple values in string format</a:t>
             </a:r>
           </a:p>
           <a:p>
@@ -9277,9 +9216,6 @@
               </a:rPr>
               <a:t>Parentheses is required</a:t>
             </a:r>
-            <a:endParaRPr lang="en-US" dirty="0" smtClean="0">
-              <a:cs typeface="Courier New" panose="02070309020205020404" pitchFamily="49" charset="0"/>
-            </a:endParaRPr>
           </a:p>
         </p:txBody>
       </p:sp>
@@ -9589,11 +9525,7 @@
           <a:p>
             <a:r>
               <a:rPr lang="en-US" dirty="0" smtClean="0"/>
-              <a:t>Formatting multiple values in string </a:t>
-            </a:r>
-            <a:r>
-              <a:rPr lang="en-US" dirty="0" smtClean="0"/>
-              <a:t>format</a:t>
+              <a:t>Formatting multiple values in string format</a:t>
             </a:r>
           </a:p>
           <a:p>
@@ -10127,7 +10059,7 @@
                 <a:latin typeface="Courier New" panose="02070309020205020404" pitchFamily="49" charset="0"/>
                 <a:cs typeface="Courier New" panose="02070309020205020404" pitchFamily="49" charset="0"/>
               </a:rPr>
-              <a:t>print(s % </a:t>
+              <a:t>print(s % (</a:t>
             </a:r>
             <a:r>
               <a:rPr lang="en-US" altLang="zh-CN" dirty="0" err="1" smtClean="0">
@@ -10137,20 +10069,24 @@
               <a:t>x,y,z</a:t>
             </a:r>
             <a:r>
-              <a:rPr lang="en-US" altLang="zh-CN" dirty="0" smtClean="0">
-                <a:latin typeface="Courier New" panose="02070309020205020404" pitchFamily="49" charset="0"/>
-                <a:cs typeface="Courier New" panose="02070309020205020404" pitchFamily="49" charset="0"/>
-              </a:rPr>
-              <a:t>)</a:t>
-            </a:r>
-          </a:p>
-          <a:p>
+              <a:rPr lang="en-US" altLang="zh-CN" smtClean="0">
+                <a:latin typeface="Courier New" panose="02070309020205020404" pitchFamily="49" charset="0"/>
+                <a:cs typeface="Courier New" panose="02070309020205020404" pitchFamily="49" charset="0"/>
+              </a:rPr>
+              <a:t>))</a:t>
+            </a:r>
             <a:endParaRPr lang="en-US" altLang="zh-CN" dirty="0" smtClean="0">
               <a:latin typeface="Courier New" panose="02070309020205020404" pitchFamily="49" charset="0"/>
               <a:cs typeface="Courier New" panose="02070309020205020404" pitchFamily="49" charset="0"/>
             </a:endParaRPr>
           </a:p>
           <a:p>
+            <a:endParaRPr lang="en-US" altLang="zh-CN" dirty="0" smtClean="0">
+              <a:latin typeface="Courier New" panose="02070309020205020404" pitchFamily="49" charset="0"/>
+              <a:cs typeface="Courier New" panose="02070309020205020404" pitchFamily="49" charset="0"/>
+            </a:endParaRPr>
+          </a:p>
+          <a:p>
             <a:endParaRPr lang="en-US" altLang="zh-CN" dirty="0">
               <a:latin typeface="Courier New" panose="02070309020205020404" pitchFamily="49" charset="0"/>
               <a:cs typeface="Courier New" panose="02070309020205020404" pitchFamily="49" charset="0"/>
@@ -10164,10 +10100,6 @@
               </a:rPr>
               <a:t>Which of the following are valid replacement of ???  </a:t>
             </a:r>
-            <a:endParaRPr lang="en-US" altLang="zh-CN" dirty="0" smtClean="0">
-              <a:latin typeface="Courier New" panose="02070309020205020404" pitchFamily="49" charset="0"/>
-              <a:cs typeface="Courier New" panose="02070309020205020404" pitchFamily="49" charset="0"/>
-            </a:endParaRPr>
           </a:p>
           <a:p>
             <a:r>
@@ -10205,14 +10137,7 @@
                 <a:latin typeface="Courier New" panose="02070309020205020404" pitchFamily="49" charset="0"/>
                 <a:cs typeface="Courier New" panose="02070309020205020404" pitchFamily="49" charset="0"/>
               </a:rPr>
-              <a:t>B ‘%f %s </a:t>
-            </a:r>
-            <a:r>
-              <a:rPr lang="en-US" altLang="zh-CN" dirty="0" smtClean="0">
-                <a:latin typeface="Courier New" panose="02070309020205020404" pitchFamily="49" charset="0"/>
-                <a:cs typeface="Courier New" panose="02070309020205020404" pitchFamily="49" charset="0"/>
-              </a:rPr>
-              <a:t>%</a:t>
+              <a:t>B ‘%f %s %</a:t>
             </a:r>
             <a:r>
               <a:rPr lang="en-US" altLang="zh-CN" dirty="0" err="1" smtClean="0">
@@ -10228,10 +10153,6 @@
               </a:rPr>
               <a:t>’</a:t>
             </a:r>
-            <a:endParaRPr lang="en-US" altLang="zh-CN" dirty="0" smtClean="0">
-              <a:latin typeface="Courier New" panose="02070309020205020404" pitchFamily="49" charset="0"/>
-              <a:cs typeface="Courier New" panose="02070309020205020404" pitchFamily="49" charset="0"/>
-            </a:endParaRPr>
           </a:p>
           <a:p>
             <a:r>
@@ -10246,19 +10167,8 @@
                 <a:latin typeface="Courier New" panose="02070309020205020404" pitchFamily="49" charset="0"/>
                 <a:cs typeface="Courier New" panose="02070309020205020404" pitchFamily="49" charset="0"/>
               </a:rPr>
-              <a:t>C </a:t>
-            </a:r>
-            <a:r>
-              <a:rPr lang="en-US" altLang="zh-CN" dirty="0" smtClean="0">
-                <a:latin typeface="Courier New" panose="02070309020205020404" pitchFamily="49" charset="0"/>
-                <a:cs typeface="Courier New" panose="02070309020205020404" pitchFamily="49" charset="0"/>
-              </a:rPr>
-              <a:t>‘%f %s %f’</a:t>
-            </a:r>
-            <a:endParaRPr lang="en-US" altLang="zh-CN" dirty="0" smtClean="0">
-              <a:latin typeface="Courier New" panose="02070309020205020404" pitchFamily="49" charset="0"/>
-              <a:cs typeface="Courier New" panose="02070309020205020404" pitchFamily="49" charset="0"/>
-            </a:endParaRPr>
+              <a:t>C ‘%f %s %f’</a:t>
+            </a:r>
           </a:p>
           <a:p>
             <a:r>
@@ -10396,26 +10306,17 @@
               <a:rPr lang="en-US" dirty="0" smtClean="0">
                 <a:cs typeface="Courier New" panose="02070309020205020404" pitchFamily="49" charset="0"/>
               </a:rPr>
-              <a:t>Lets us make multiple assignment at </a:t>
-            </a:r>
+              <a:t>Lets us make multiple assignment at once</a:t>
+            </a:r>
+          </a:p>
+          <a:p>
+            <a:pPr lvl="1"/>
             <a:r>
               <a:rPr lang="en-US" dirty="0" smtClean="0">
                 <a:cs typeface="Courier New" panose="02070309020205020404" pitchFamily="49" charset="0"/>
               </a:rPr>
-              <a:t>once</a:t>
-            </a:r>
-          </a:p>
-          <a:p>
-            <a:pPr lvl="1"/>
-            <a:r>
-              <a:rPr lang="en-US" dirty="0" smtClean="0">
-                <a:cs typeface="Courier New" panose="02070309020205020404" pitchFamily="49" charset="0"/>
-              </a:rPr>
               <a:t>Parentheses is optional</a:t>
             </a:r>
-            <a:endParaRPr lang="en-US" dirty="0" smtClean="0">
-              <a:cs typeface="Courier New" panose="02070309020205020404" pitchFamily="49" charset="0"/>
-            </a:endParaRPr>
           </a:p>
         </p:txBody>
       </p:sp>
@@ -10581,7 +10482,28 @@
                 <a:latin typeface="Courier New" panose="02070309020205020404" pitchFamily="49" charset="0"/>
                 <a:cs typeface="Courier New" panose="02070309020205020404" pitchFamily="49" charset="0"/>
               </a:rPr>
-              <a:t>One, pi, hello = (1, 3,14, ‘Hi’)</a:t>
+              <a:t>One, pi, hello = (1</a:t>
+            </a:r>
+            <a:r>
+              <a:rPr lang="en-US" altLang="zh-CN" smtClean="0">
+                <a:latin typeface="Courier New" panose="02070309020205020404" pitchFamily="49" charset="0"/>
+                <a:cs typeface="Courier New" panose="02070309020205020404" pitchFamily="49" charset="0"/>
+              </a:rPr>
+              <a:t>, </a:t>
+            </a:r>
+            <a:r>
+              <a:rPr lang="en-US" altLang="zh-CN" smtClean="0">
+                <a:latin typeface="Courier New" panose="02070309020205020404" pitchFamily="49" charset="0"/>
+                <a:cs typeface="Courier New" panose="02070309020205020404" pitchFamily="49" charset="0"/>
+              </a:rPr>
+              <a:t>3.14</a:t>
+            </a:r>
+            <a:r>
+              <a:rPr lang="en-US" altLang="zh-CN" dirty="0" smtClean="0">
+                <a:latin typeface="Courier New" panose="02070309020205020404" pitchFamily="49" charset="0"/>
+                <a:cs typeface="Courier New" panose="02070309020205020404" pitchFamily="49" charset="0"/>
+              </a:rPr>
+              <a:t>, ‘Hi’)</a:t>
             </a:r>
           </a:p>
           <a:p>
@@ -10600,11 +10522,25 @@
               <a:t> 1</a:t>
             </a:r>
             <a:r>
+              <a:rPr lang="en-US" altLang="zh-CN">
+                <a:latin typeface="Courier New" panose="02070309020205020404" pitchFamily="49" charset="0"/>
+                <a:cs typeface="Courier New" panose="02070309020205020404" pitchFamily="49" charset="0"/>
+              </a:rPr>
+              <a:t>, </a:t>
+            </a:r>
+            <a:r>
+              <a:rPr lang="en-US" altLang="zh-CN" smtClean="0">
+                <a:latin typeface="Courier New" panose="02070309020205020404" pitchFamily="49" charset="0"/>
+                <a:cs typeface="Courier New" panose="02070309020205020404" pitchFamily="49" charset="0"/>
+              </a:rPr>
+              <a:t>3.14</a:t>
+            </a:r>
+            <a:r>
               <a:rPr lang="en-US" altLang="zh-CN" dirty="0">
                 <a:latin typeface="Courier New" panose="02070309020205020404" pitchFamily="49" charset="0"/>
                 <a:cs typeface="Courier New" panose="02070309020205020404" pitchFamily="49" charset="0"/>
               </a:rPr>
-              <a:t>, 3,14, ‘Hi</a:t>
+              <a:t>, ‘Hi</a:t>
             </a:r>
             <a:r>
               <a:rPr lang="en-US" altLang="zh-CN" dirty="0" smtClean="0">
@@ -10720,13 +10656,7 @@
               <a:rPr lang="en-US" dirty="0" smtClean="0">
                 <a:cs typeface="Courier New" panose="02070309020205020404" pitchFamily="49" charset="0"/>
               </a:rPr>
-              <a:t>Lets us make multiple assignment at </a:t>
-            </a:r>
-            <a:r>
-              <a:rPr lang="en-US" dirty="0" smtClean="0">
-                <a:cs typeface="Courier New" panose="02070309020205020404" pitchFamily="49" charset="0"/>
-              </a:rPr>
-              <a:t>once</a:t>
+              <a:t>Lets us make multiple assignment at once</a:t>
             </a:r>
           </a:p>
           <a:p>
@@ -11689,6 +11619,13 @@
   <p:clrMapOvr>
     <a:masterClrMapping/>
   </p:clrMapOvr>
+  <p:timing>
+    <p:tnLst>
+      <p:par>
+        <p:cTn id="1" dur="indefinite" restart="never" nodeType="tmRoot"/>
+      </p:par>
+    </p:tnLst>
+  </p:timing>
 </p:sld>
 </file>
 
@@ -11735,19 +11672,7 @@
               <a:rPr lang="en-US" dirty="0" smtClean="0">
                 <a:cs typeface="Courier New" panose="02070309020205020404" pitchFamily="49" charset="0"/>
               </a:rPr>
-              <a:t>Lets </a:t>
-            </a:r>
-            <a:r>
-              <a:rPr lang="en-US" dirty="0" smtClean="0">
-                <a:cs typeface="Courier New" panose="02070309020205020404" pitchFamily="49" charset="0"/>
-              </a:rPr>
-              <a:t>us make multiple assignment at </a:t>
-            </a:r>
-            <a:r>
-              <a:rPr lang="en-US" dirty="0" smtClean="0">
-                <a:cs typeface="Courier New" panose="02070309020205020404" pitchFamily="49" charset="0"/>
-              </a:rPr>
-              <a:t>once</a:t>
+              <a:t>Lets us make multiple assignment at once</a:t>
             </a:r>
           </a:p>
           <a:p>
@@ -13713,14 +13638,7 @@
                 <a:latin typeface="Courier New" panose="02070309020205020404" pitchFamily="49" charset="0"/>
                 <a:cs typeface="Courier New" panose="02070309020205020404" pitchFamily="49" charset="0"/>
               </a:rPr>
-              <a:t>&gt;&gt;&gt; </a:t>
-            </a:r>
-            <a:r>
-              <a:rPr lang="en-US" altLang="zh-CN" dirty="0" smtClean="0">
-                <a:latin typeface="Courier New" panose="02070309020205020404" pitchFamily="49" charset="0"/>
-                <a:cs typeface="Courier New" panose="02070309020205020404" pitchFamily="49" charset="0"/>
-              </a:rPr>
-              <a:t>fun(10)[0]</a:t>
+              <a:t>&gt;&gt;&gt; fun(10)[0]</a:t>
             </a:r>
           </a:p>
           <a:p>
@@ -14649,21 +14567,7 @@
                 <a:latin typeface="Courier New" panose="02070309020205020404" pitchFamily="49" charset="0"/>
                 <a:cs typeface="Courier New" panose="02070309020205020404" pitchFamily="49" charset="0"/>
               </a:rPr>
-              <a:t>x = [3.14, </a:t>
-            </a:r>
-            <a:r>
-              <a:rPr lang="en-US" altLang="zh-CN" dirty="0" smtClean="0">
-                <a:latin typeface="Courier New" panose="02070309020205020404" pitchFamily="49" charset="0"/>
-                <a:cs typeface="Courier New" panose="02070309020205020404" pitchFamily="49" charset="0"/>
-              </a:rPr>
-              <a:t>1, </a:t>
-            </a:r>
-            <a:r>
-              <a:rPr lang="en-US" altLang="zh-CN" dirty="0" smtClean="0">
-                <a:latin typeface="Courier New" panose="02070309020205020404" pitchFamily="49" charset="0"/>
-                <a:cs typeface="Courier New" panose="02070309020205020404" pitchFamily="49" charset="0"/>
-              </a:rPr>
-              <a:t>‘hi’]</a:t>
+              <a:t>x = [3.14, 1, ‘hi’]</a:t>
             </a:r>
           </a:p>
           <a:p>
@@ -15842,6 +15746,13 @@
   <p:clrMapOvr>
     <a:masterClrMapping/>
   </p:clrMapOvr>
+  <p:timing>
+    <p:tnLst>
+      <p:par>
+        <p:cTn id="1" dur="indefinite" restart="never" nodeType="tmRoot"/>
+      </p:par>
+    </p:tnLst>
+  </p:timing>
 </p:sld>
 </file>
 
@@ -16490,10 +16401,6 @@
               </a:rPr>
               <a:t>(‘,’)</a:t>
             </a:r>
-            <a:endParaRPr lang="en-US" altLang="zh-CN" dirty="0" smtClean="0">
-              <a:latin typeface="Courier New" panose="02070309020205020404" pitchFamily="49" charset="0"/>
-              <a:cs typeface="Courier New" panose="02070309020205020404" pitchFamily="49" charset="0"/>
-            </a:endParaRPr>
           </a:p>
           <a:p>
             <a:r>
@@ -16855,10 +16762,6 @@
               </a:rPr>
               <a:t>(‘ ’)</a:t>
             </a:r>
-            <a:endParaRPr lang="en-US" altLang="zh-CN" dirty="0" smtClean="0">
-              <a:latin typeface="Courier New" panose="02070309020205020404" pitchFamily="49" charset="0"/>
-              <a:cs typeface="Courier New" panose="02070309020205020404" pitchFamily="49" charset="0"/>
-            </a:endParaRPr>
           </a:p>
           <a:p>
             <a:r>
@@ -17697,11 +17600,7 @@
             </a:r>
             <a:r>
               <a:rPr lang="en-US" altLang="zh-CN" dirty="0" smtClean="0"/>
-              <a:t> takes a list of string types and concatenate them </a:t>
-            </a:r>
-            <a:r>
-              <a:rPr lang="en-US" altLang="zh-CN" dirty="0" smtClean="0"/>
-              <a:t>together into a big string</a:t>
+              <a:t> takes a list of string types and concatenate them together into a big string</a:t>
             </a:r>
             <a:endParaRPr lang="en-US" altLang="zh-CN" dirty="0"/>
           </a:p>
@@ -18546,19 +18445,8 @@
                 <a:latin typeface="Courier New" panose="02070309020205020404" pitchFamily="49" charset="0"/>
                 <a:cs typeface="Courier New" panose="02070309020205020404" pitchFamily="49" charset="0"/>
               </a:rPr>
-              <a:t>b = </a:t>
-            </a:r>
-            <a:r>
-              <a:rPr lang="en-US" altLang="zh-CN" dirty="0" smtClean="0">
-                <a:latin typeface="Courier New" panose="02070309020205020404" pitchFamily="49" charset="0"/>
-                <a:cs typeface="Courier New" panose="02070309020205020404" pitchFamily="49" charset="0"/>
-              </a:rPr>
-              <a:t>a</a:t>
-            </a:r>
-            <a:endParaRPr lang="en-US" altLang="zh-CN" dirty="0" smtClean="0">
-              <a:latin typeface="Courier New" panose="02070309020205020404" pitchFamily="49" charset="0"/>
-              <a:cs typeface="Courier New" panose="02070309020205020404" pitchFamily="49" charset="0"/>
-            </a:endParaRPr>
+              <a:t>b = a</a:t>
+            </a:r>
           </a:p>
           <a:p>
             <a:r>
@@ -18902,70 +18790,17 @@
                 <a:latin typeface="Courier New" panose="02070309020205020404" pitchFamily="49" charset="0"/>
                 <a:cs typeface="Courier New" panose="02070309020205020404" pitchFamily="49" charset="0"/>
               </a:rPr>
-              <a:t>a = </a:t>
-            </a:r>
-            <a:r>
-              <a:rPr lang="en-US" altLang="zh-CN" dirty="0" smtClean="0">
-                <a:latin typeface="Courier New" panose="02070309020205020404" pitchFamily="49" charset="0"/>
-                <a:cs typeface="Courier New" panose="02070309020205020404" pitchFamily="49" charset="0"/>
-              </a:rPr>
-              <a:t>[‘X’, ‘A’, </a:t>
-            </a:r>
-            <a:r>
-              <a:rPr lang="en-US" altLang="zh-CN" dirty="0" smtClean="0">
-                <a:latin typeface="Courier New" panose="02070309020205020404" pitchFamily="49" charset="0"/>
-                <a:cs typeface="Courier New" panose="02070309020205020404" pitchFamily="49" charset="0"/>
-              </a:rPr>
-              <a:t>‘G</a:t>
-            </a:r>
-            <a:r>
-              <a:rPr lang="en-US" altLang="zh-CN" dirty="0" smtClean="0">
-                <a:latin typeface="Courier New" panose="02070309020205020404" pitchFamily="49" charset="0"/>
-                <a:cs typeface="Courier New" panose="02070309020205020404" pitchFamily="49" charset="0"/>
-              </a:rPr>
-              <a:t>’]</a:t>
-            </a:r>
-          </a:p>
-          <a:p>
-            <a:r>
-              <a:rPr lang="en-US" altLang="zh-CN" dirty="0" smtClean="0">
-                <a:latin typeface="Courier New" panose="02070309020205020404" pitchFamily="49" charset="0"/>
-                <a:cs typeface="Courier New" panose="02070309020205020404" pitchFamily="49" charset="0"/>
-              </a:rPr>
-              <a:t>x </a:t>
-            </a:r>
-            <a:r>
-              <a:rPr lang="en-US" altLang="zh-CN" dirty="0" smtClean="0">
-                <a:latin typeface="Courier New" panose="02070309020205020404" pitchFamily="49" charset="0"/>
-                <a:cs typeface="Courier New" panose="02070309020205020404" pitchFamily="49" charset="0"/>
-              </a:rPr>
-              <a:t>= </a:t>
-            </a:r>
-            <a:r>
-              <a:rPr lang="en-US" altLang="zh-CN" dirty="0" smtClean="0">
-                <a:latin typeface="Courier New" panose="02070309020205020404" pitchFamily="49" charset="0"/>
-                <a:cs typeface="Courier New" panose="02070309020205020404" pitchFamily="49" charset="0"/>
-              </a:rPr>
-              <a:t>‘</a:t>
-            </a:r>
-            <a:r>
-              <a:rPr lang="en-US" altLang="zh-CN" dirty="0" smtClean="0">
-                <a:latin typeface="Courier New" panose="02070309020205020404" pitchFamily="49" charset="0"/>
-                <a:cs typeface="Courier New" panose="02070309020205020404" pitchFamily="49" charset="0"/>
-              </a:rPr>
-              <a:t>#####</a:t>
-            </a:r>
-            <a:r>
-              <a:rPr lang="en-US" altLang="zh-CN" dirty="0" smtClean="0">
-                <a:latin typeface="Courier New" panose="02070309020205020404" pitchFamily="49" charset="0"/>
-                <a:cs typeface="Courier New" panose="02070309020205020404" pitchFamily="49" charset="0"/>
-              </a:rPr>
-              <a:t>’.join(a).split(‘#####’)</a:t>
-            </a:r>
-            <a:endParaRPr lang="en-US" altLang="zh-CN" dirty="0" smtClean="0">
-              <a:latin typeface="Courier New" panose="02070309020205020404" pitchFamily="49" charset="0"/>
-              <a:cs typeface="Courier New" panose="02070309020205020404" pitchFamily="49" charset="0"/>
-            </a:endParaRPr>
+              <a:t>a = [‘X’, ‘A’, ‘G’]</a:t>
+            </a:r>
+          </a:p>
+          <a:p>
+            <a:r>
+              <a:rPr lang="en-US" altLang="zh-CN" dirty="0" smtClean="0">
+                <a:latin typeface="Courier New" panose="02070309020205020404" pitchFamily="49" charset="0"/>
+                <a:cs typeface="Courier New" panose="02070309020205020404" pitchFamily="49" charset="0"/>
+              </a:rPr>
+              <a:t>x = ‘#####’.join(a).split(‘#####’)</a:t>
+            </a:r>
           </a:p>
           <a:p>
             <a:endParaRPr lang="en-US" altLang="zh-CN" dirty="0">
@@ -18979,19 +18814,8 @@
                 <a:latin typeface="Courier New" panose="02070309020205020404" pitchFamily="49" charset="0"/>
                 <a:cs typeface="Courier New" panose="02070309020205020404" pitchFamily="49" charset="0"/>
               </a:rPr>
-              <a:t>What is the value of </a:t>
-            </a:r>
-            <a:r>
-              <a:rPr lang="en-US" altLang="zh-CN" dirty="0" smtClean="0">
-                <a:latin typeface="Courier New" panose="02070309020205020404" pitchFamily="49" charset="0"/>
-                <a:cs typeface="Courier New" panose="02070309020205020404" pitchFamily="49" charset="0"/>
-              </a:rPr>
-              <a:t>x?</a:t>
-            </a:r>
-            <a:endParaRPr lang="en-US" altLang="zh-CN" dirty="0" smtClean="0">
-              <a:latin typeface="Courier New" panose="02070309020205020404" pitchFamily="49" charset="0"/>
-              <a:cs typeface="Courier New" panose="02070309020205020404" pitchFamily="49" charset="0"/>
-            </a:endParaRPr>
+              <a:t>What is the value of x?</a:t>
+            </a:r>
           </a:p>
         </p:txBody>
       </p:sp>
@@ -19461,6 +19285,13 @@
   <p:clrMapOvr>
     <a:masterClrMapping/>
   </p:clrMapOvr>
+  <p:timing>
+    <p:tnLst>
+      <p:par>
+        <p:cTn id="1" dur="indefinite" restart="never" nodeType="tmRoot"/>
+      </p:par>
+    </p:tnLst>
+  </p:timing>
 </p:sld>
 </file>
 
